--- a/Capstone.pptx
+++ b/Capstone.pptx
@@ -10,22 +10,28 @@
     <p:sldId id="262" r:id="rId4"/>
     <p:sldId id="271" r:id="rId5"/>
     <p:sldId id="272" r:id="rId6"/>
-    <p:sldId id="273" r:id="rId7"/>
-    <p:sldId id="274" r:id="rId8"/>
-    <p:sldId id="263" r:id="rId9"/>
-    <p:sldId id="275" r:id="rId10"/>
-    <p:sldId id="268" r:id="rId11"/>
-    <p:sldId id="264" r:id="rId12"/>
-    <p:sldId id="265" r:id="rId13"/>
-    <p:sldId id="266" r:id="rId14"/>
-    <p:sldId id="267" r:id="rId15"/>
-    <p:sldId id="257" r:id="rId16"/>
-    <p:sldId id="258" r:id="rId17"/>
-    <p:sldId id="259" r:id="rId18"/>
-    <p:sldId id="260" r:id="rId19"/>
-    <p:sldId id="276" r:id="rId20"/>
-    <p:sldId id="277" r:id="rId21"/>
-    <p:sldId id="269" r:id="rId22"/>
+    <p:sldId id="278" r:id="rId7"/>
+    <p:sldId id="273" r:id="rId8"/>
+    <p:sldId id="274" r:id="rId9"/>
+    <p:sldId id="279" r:id="rId10"/>
+    <p:sldId id="280" r:id="rId11"/>
+    <p:sldId id="281" r:id="rId12"/>
+    <p:sldId id="282" r:id="rId13"/>
+    <p:sldId id="283" r:id="rId14"/>
+    <p:sldId id="263" r:id="rId15"/>
+    <p:sldId id="275" r:id="rId16"/>
+    <p:sldId id="268" r:id="rId17"/>
+    <p:sldId id="264" r:id="rId18"/>
+    <p:sldId id="265" r:id="rId19"/>
+    <p:sldId id="266" r:id="rId20"/>
+    <p:sldId id="267" r:id="rId21"/>
+    <p:sldId id="257" r:id="rId22"/>
+    <p:sldId id="258" r:id="rId23"/>
+    <p:sldId id="259" r:id="rId24"/>
+    <p:sldId id="260" r:id="rId25"/>
+    <p:sldId id="276" r:id="rId26"/>
+    <p:sldId id="277" r:id="rId27"/>
+    <p:sldId id="269" r:id="rId28"/>
   </p:sldIdLst>
   <p:sldSz cx="12192000" cy="6858000"/>
   <p:notesSz cx="6858000" cy="9144000"/>
@@ -263,7 +269,7 @@
           <a:p>
             <a:fld id="{513939AC-CEEE-4A50-83F9-2DA77123257C}" type="datetimeFigureOut">
               <a:rPr lang="en-US" smtClean="0"/>
-              <a:t>4/12/2020</a:t>
+              <a:t>4/14/2020</a:t>
             </a:fld>
             <a:endParaRPr lang="en-US"/>
           </a:p>
@@ -433,7 +439,7 @@
           <a:p>
             <a:fld id="{513939AC-CEEE-4A50-83F9-2DA77123257C}" type="datetimeFigureOut">
               <a:rPr lang="en-US" smtClean="0"/>
-              <a:t>4/12/2020</a:t>
+              <a:t>4/14/2020</a:t>
             </a:fld>
             <a:endParaRPr lang="en-US"/>
           </a:p>
@@ -613,7 +619,7 @@
           <a:p>
             <a:fld id="{513939AC-CEEE-4A50-83F9-2DA77123257C}" type="datetimeFigureOut">
               <a:rPr lang="en-US" smtClean="0"/>
-              <a:t>4/12/2020</a:t>
+              <a:t>4/14/2020</a:t>
             </a:fld>
             <a:endParaRPr lang="en-US"/>
           </a:p>
@@ -783,7 +789,7 @@
           <a:p>
             <a:fld id="{513939AC-CEEE-4A50-83F9-2DA77123257C}" type="datetimeFigureOut">
               <a:rPr lang="en-US" smtClean="0"/>
-              <a:t>4/12/2020</a:t>
+              <a:t>4/14/2020</a:t>
             </a:fld>
             <a:endParaRPr lang="en-US"/>
           </a:p>
@@ -1029,7 +1035,7 @@
           <a:p>
             <a:fld id="{513939AC-CEEE-4A50-83F9-2DA77123257C}" type="datetimeFigureOut">
               <a:rPr lang="en-US" smtClean="0"/>
-              <a:t>4/12/2020</a:t>
+              <a:t>4/14/2020</a:t>
             </a:fld>
             <a:endParaRPr lang="en-US"/>
           </a:p>
@@ -1261,7 +1267,7 @@
           <a:p>
             <a:fld id="{513939AC-CEEE-4A50-83F9-2DA77123257C}" type="datetimeFigureOut">
               <a:rPr lang="en-US" smtClean="0"/>
-              <a:t>4/12/2020</a:t>
+              <a:t>4/14/2020</a:t>
             </a:fld>
             <a:endParaRPr lang="en-US"/>
           </a:p>
@@ -1628,7 +1634,7 @@
           <a:p>
             <a:fld id="{513939AC-CEEE-4A50-83F9-2DA77123257C}" type="datetimeFigureOut">
               <a:rPr lang="en-US" smtClean="0"/>
-              <a:t>4/12/2020</a:t>
+              <a:t>4/14/2020</a:t>
             </a:fld>
             <a:endParaRPr lang="en-US"/>
           </a:p>
@@ -1746,7 +1752,7 @@
           <a:p>
             <a:fld id="{513939AC-CEEE-4A50-83F9-2DA77123257C}" type="datetimeFigureOut">
               <a:rPr lang="en-US" smtClean="0"/>
-              <a:t>4/12/2020</a:t>
+              <a:t>4/14/2020</a:t>
             </a:fld>
             <a:endParaRPr lang="en-US"/>
           </a:p>
@@ -1841,7 +1847,7 @@
           <a:p>
             <a:fld id="{513939AC-CEEE-4A50-83F9-2DA77123257C}" type="datetimeFigureOut">
               <a:rPr lang="en-US" smtClean="0"/>
-              <a:t>4/12/2020</a:t>
+              <a:t>4/14/2020</a:t>
             </a:fld>
             <a:endParaRPr lang="en-US"/>
           </a:p>
@@ -2118,7 +2124,7 @@
           <a:p>
             <a:fld id="{513939AC-CEEE-4A50-83F9-2DA77123257C}" type="datetimeFigureOut">
               <a:rPr lang="en-US" smtClean="0"/>
-              <a:t>4/12/2020</a:t>
+              <a:t>4/14/2020</a:t>
             </a:fld>
             <a:endParaRPr lang="en-US"/>
           </a:p>
@@ -2371,7 +2377,7 @@
           <a:p>
             <a:fld id="{513939AC-CEEE-4A50-83F9-2DA77123257C}" type="datetimeFigureOut">
               <a:rPr lang="en-US" smtClean="0"/>
-              <a:t>4/12/2020</a:t>
+              <a:t>4/14/2020</a:t>
             </a:fld>
             <a:endParaRPr lang="en-US"/>
           </a:p>
@@ -2584,7 +2590,7 @@
           <a:p>
             <a:fld id="{513939AC-CEEE-4A50-83F9-2DA77123257C}" type="datetimeFigureOut">
               <a:rPr lang="en-US" smtClean="0"/>
-              <a:t>4/12/2020</a:t>
+              <a:t>4/14/2020</a:t>
             </a:fld>
             <a:endParaRPr lang="en-US"/>
           </a:p>
@@ -3057,49 +3063,128 @@
           <a:bodyPr/>
           <a:lstStyle/>
           <a:p>
-            <a:r>
-              <a:rPr lang="en-US" dirty="0" smtClean="0"/>
-              <a:t>1</a:t>
-            </a:r>
-            <a:r>
-              <a:rPr lang="en-US" baseline="30000" dirty="0" smtClean="0"/>
-              <a:t>st</a:t>
-            </a:r>
-            <a:r>
-              <a:rPr lang="en-US" dirty="0" smtClean="0"/>
-              <a:t> part </a:t>
-            </a:r>
             <a:endParaRPr lang="en-US" dirty="0"/>
           </a:p>
         </p:txBody>
       </p:sp>
-      <p:sp>
-        <p:nvSpPr>
-          <p:cNvPr id="3" name="Content Placeholder 2"/>
-          <p:cNvSpPr>
-            <a:spLocks noGrp="1"/>
-          </p:cNvSpPr>
-          <p:nvPr>
-            <p:ph idx="1"/>
-          </p:nvPr>
-        </p:nvSpPr>
-        <p:spPr/>
-        <p:txBody>
-          <a:bodyPr/>
-          <a:lstStyle/>
-          <a:p>
-            <a:r>
-              <a:rPr lang="en-US" dirty="0" smtClean="0"/>
-              <a:t>Create a modelling to predict if the VIX is going to go up or down on that day itself. </a:t>
-            </a:r>
-            <a:endParaRPr lang="en-US" dirty="0"/>
+      <p:pic>
+        <p:nvPicPr>
+          <p:cNvPr id="5" name="Picture 4"/>
+          <p:cNvPicPr>
+            <a:picLocks noChangeAspect="1"/>
+          </p:cNvPicPr>
+          <p:nvPr/>
+        </p:nvPicPr>
+        <p:blipFill>
+          <a:blip r:embed="rId2"/>
+          <a:stretch>
+            <a:fillRect/>
+          </a:stretch>
+        </p:blipFill>
+        <p:spPr>
+          <a:xfrm>
+            <a:off x="278483" y="1256691"/>
+            <a:ext cx="7601341" cy="2597283"/>
+          </a:xfrm>
+          <a:prstGeom prst="rect">
+            <a:avLst/>
+          </a:prstGeom>
+        </p:spPr>
+      </p:pic>
+      <p:sp>
+        <p:nvSpPr>
+          <p:cNvPr id="7" name="Rectangle 6"/>
+          <p:cNvSpPr/>
+          <p:nvPr/>
+        </p:nvSpPr>
+        <p:spPr>
+          <a:xfrm>
+            <a:off x="7771869" y="2186001"/>
+            <a:ext cx="3946530" cy="369332"/>
+          </a:xfrm>
+          <a:prstGeom prst="rect">
+            <a:avLst/>
+          </a:prstGeom>
+        </p:spPr>
+        <p:txBody>
+          <a:bodyPr wrap="none">
+            <a:spAutoFit/>
+          </a:bodyPr>
+          <a:lstStyle/>
+          <a:p>
+            <a:r>
+              <a:rPr lang="en-US" dirty="0">
+                <a:solidFill>
+                  <a:srgbClr val="000000"/>
+                </a:solidFill>
+                <a:latin typeface="Helvetica Neue"/>
+              </a:rPr>
+              <a:t>2012 : India, Girl, World, ACTA, Drug</a:t>
+            </a:r>
+          </a:p>
+        </p:txBody>
+      </p:sp>
+      <p:pic>
+        <p:nvPicPr>
+          <p:cNvPr id="8" name="Picture 7"/>
+          <p:cNvPicPr>
+            <a:picLocks noChangeAspect="1"/>
+          </p:cNvPicPr>
+          <p:nvPr/>
+        </p:nvPicPr>
+        <p:blipFill>
+          <a:blip r:embed="rId3"/>
+          <a:stretch>
+            <a:fillRect/>
+          </a:stretch>
+        </p:blipFill>
+        <p:spPr>
+          <a:xfrm>
+            <a:off x="170527" y="3853974"/>
+            <a:ext cx="7817252" cy="2616334"/>
+          </a:xfrm>
+          <a:prstGeom prst="rect">
+            <a:avLst/>
+          </a:prstGeom>
+        </p:spPr>
+      </p:pic>
+      <p:sp>
+        <p:nvSpPr>
+          <p:cNvPr id="9" name="Rectangle 8"/>
+          <p:cNvSpPr/>
+          <p:nvPr/>
+        </p:nvSpPr>
+        <p:spPr>
+          <a:xfrm>
+            <a:off x="7670557" y="4560874"/>
+            <a:ext cx="4335418" cy="369332"/>
+          </a:xfrm>
+          <a:prstGeom prst="rect">
+            <a:avLst/>
+          </a:prstGeom>
+        </p:spPr>
+        <p:txBody>
+          <a:bodyPr wrap="none">
+            <a:spAutoFit/>
+          </a:bodyPr>
+          <a:lstStyle/>
+          <a:p>
+            <a:r>
+              <a:rPr lang="en-US" dirty="0">
+                <a:solidFill>
+                  <a:srgbClr val="000000"/>
+                </a:solidFill>
+                <a:latin typeface="Helvetica Neue"/>
+              </a:rPr>
+              <a:t>2013 : Snowden, say, New, North, Korea</a:t>
+            </a:r>
           </a:p>
         </p:txBody>
       </p:sp>
     </p:spTree>
     <p:extLst>
       <p:ext uri="{BB962C8B-B14F-4D97-AF65-F5344CB8AC3E}">
-        <p14:creationId xmlns:p14="http://schemas.microsoft.com/office/powerpoint/2010/main" val="4125859356"/>
+        <p14:creationId xmlns:p14="http://schemas.microsoft.com/office/powerpoint/2010/main" val="2756449384"/>
       </p:ext>
     </p:extLst>
   </p:cSld>
@@ -3141,59 +3226,130 @@
           <a:bodyPr/>
           <a:lstStyle/>
           <a:p>
-            <a:r>
-              <a:rPr lang="en-US" dirty="0" smtClean="0"/>
-              <a:t>Preprocessing and Train Test Split</a:t>
-            </a:r>
-            <a:endParaRPr lang="en-US" dirty="0"/>
-          </a:p>
-        </p:txBody>
-      </p:sp>
-      <p:sp>
-        <p:nvSpPr>
-          <p:cNvPr id="3" name="Content Placeholder 2"/>
-          <p:cNvSpPr>
-            <a:spLocks noGrp="1"/>
-          </p:cNvSpPr>
+            <a:endParaRPr lang="en-US"/>
+          </a:p>
+        </p:txBody>
+      </p:sp>
+      <p:pic>
+        <p:nvPicPr>
+          <p:cNvPr id="6" name="Content Placeholder 5"/>
+          <p:cNvPicPr>
+            <a:picLocks noGrp="1" noChangeAspect="1"/>
+          </p:cNvPicPr>
           <p:nvPr>
             <p:ph idx="1"/>
           </p:nvPr>
-        </p:nvSpPr>
-        <p:spPr/>
-        <p:txBody>
-          <a:bodyPr>
-            <a:normAutofit/>
+        </p:nvPicPr>
+        <p:blipFill>
+          <a:blip r:embed="rId2"/>
+          <a:stretch>
+            <a:fillRect/>
+          </a:stretch>
+        </p:blipFill>
+        <p:spPr>
+          <a:xfrm>
+            <a:off x="185544" y="1027906"/>
+            <a:ext cx="7417181" cy="2616334"/>
+          </a:xfrm>
+          <a:prstGeom prst="rect">
+            <a:avLst/>
+          </a:prstGeom>
+        </p:spPr>
+      </p:pic>
+      <p:sp>
+        <p:nvSpPr>
+          <p:cNvPr id="7" name="Rectangle 6"/>
+          <p:cNvSpPr/>
+          <p:nvPr/>
+        </p:nvSpPr>
+        <p:spPr>
+          <a:xfrm>
+            <a:off x="7738533" y="1891661"/>
+            <a:ext cx="4160065" cy="671520"/>
+          </a:xfrm>
+          <a:prstGeom prst="rect">
+            <a:avLst/>
+          </a:prstGeom>
+        </p:spPr>
+        <p:txBody>
+          <a:bodyPr wrap="square">
+            <a:spAutoFit/>
           </a:bodyPr>
           <a:lstStyle/>
           <a:p>
             <a:r>
-              <a:rPr lang="en-US" dirty="0"/>
-              <a:t>Text preprocessing - remove punctuation, </a:t>
-            </a:r>
-            <a:r>
-              <a:rPr lang="en-US" dirty="0" err="1"/>
-              <a:t>stopwords</a:t>
-            </a:r>
-            <a:r>
-              <a:rPr lang="en-US" dirty="0"/>
-              <a:t> and malformed words, lowercase, lemmatize and finally tokenize words</a:t>
-            </a:r>
-          </a:p>
-          <a:p>
-            <a:r>
-              <a:rPr lang="en-US" dirty="0"/>
-              <a:t>Train Test Split - Randomly shuffled and split the processed data into 80% training and 20% test set.</a:t>
-            </a:r>
-          </a:p>
-          <a:p>
-            <a:endParaRPr lang="en-US" dirty="0"/>
+              <a:rPr lang="en-US" dirty="0">
+                <a:solidFill>
+                  <a:srgbClr val="000000"/>
+                </a:solidFill>
+                <a:latin typeface="Helvetica Neue"/>
+              </a:rPr>
+              <a:t>2014 : government, Russia, World, Ukraine, police</a:t>
+            </a:r>
+          </a:p>
+        </p:txBody>
+      </p:sp>
+      <p:pic>
+        <p:nvPicPr>
+          <p:cNvPr id="8" name="Picture 7"/>
+          <p:cNvPicPr>
+            <a:picLocks noChangeAspect="1"/>
+          </p:cNvPicPr>
+          <p:nvPr/>
+        </p:nvPicPr>
+        <p:blipFill>
+          <a:blip r:embed="rId3"/>
+          <a:stretch>
+            <a:fillRect/>
+          </a:stretch>
+        </p:blipFill>
+        <p:spPr>
+          <a:xfrm>
+            <a:off x="221868" y="3886134"/>
+            <a:ext cx="7436232" cy="2540131"/>
+          </a:xfrm>
+          <a:prstGeom prst="rect">
+            <a:avLst/>
+          </a:prstGeom>
+        </p:spPr>
+      </p:pic>
+      <p:sp>
+        <p:nvSpPr>
+          <p:cNvPr id="9" name="Rectangle 8"/>
+          <p:cNvSpPr/>
+          <p:nvPr/>
+        </p:nvSpPr>
+        <p:spPr>
+          <a:xfrm>
+            <a:off x="7809436" y="4545750"/>
+            <a:ext cx="3634328" cy="369332"/>
+          </a:xfrm>
+          <a:prstGeom prst="rect">
+            <a:avLst/>
+          </a:prstGeom>
+        </p:spPr>
+        <p:txBody>
+          <a:bodyPr wrap="none">
+            <a:spAutoFit/>
+          </a:bodyPr>
+          <a:lstStyle/>
+          <a:p>
+            <a:r>
+              <a:rPr lang="en-US" dirty="0">
+                <a:solidFill>
+                  <a:srgbClr val="000000"/>
+                </a:solidFill>
+                <a:latin typeface="Helvetica Neue"/>
+              </a:rPr>
+              <a:t>2015 : ISIS, Saudi, UK, India, ban</a:t>
+            </a:r>
           </a:p>
         </p:txBody>
       </p:sp>
     </p:spTree>
     <p:extLst>
       <p:ext uri="{BB962C8B-B14F-4D97-AF65-F5344CB8AC3E}">
-        <p14:creationId xmlns:p14="http://schemas.microsoft.com/office/powerpoint/2010/main" val="1379696205"/>
+        <p14:creationId xmlns:p14="http://schemas.microsoft.com/office/powerpoint/2010/main" val="949438602"/>
       </p:ext>
     </p:extLst>
   </p:cSld>
@@ -3237,6 +3393,578 @@
           <a:p>
             <a:r>
               <a:rPr lang="en-US" dirty="0" smtClean="0"/>
+              <a:t>2016</a:t>
+            </a:r>
+            <a:endParaRPr lang="en-US" dirty="0"/>
+          </a:p>
+        </p:txBody>
+      </p:sp>
+      <p:sp>
+        <p:nvSpPr>
+          <p:cNvPr id="4" name="Content Placeholder 3"/>
+          <p:cNvSpPr>
+            <a:spLocks noGrp="1"/>
+          </p:cNvSpPr>
+          <p:nvPr>
+            <p:ph idx="1"/>
+          </p:nvPr>
+        </p:nvSpPr>
+        <p:spPr>
+          <a:xfrm>
+            <a:off x="7450666" y="2743200"/>
+            <a:ext cx="5020733" cy="867930"/>
+          </a:xfrm>
+          <a:prstGeom prst="rect">
+            <a:avLst/>
+          </a:prstGeom>
+        </p:spPr>
+        <p:txBody>
+          <a:bodyPr wrap="square">
+            <a:spAutoFit/>
+          </a:bodyPr>
+          <a:lstStyle/>
+          <a:p>
+            <a:r>
+              <a:rPr lang="en-US" dirty="0" smtClean="0">
+                <a:solidFill>
+                  <a:srgbClr val="000000"/>
+                </a:solidFill>
+                <a:latin typeface="Helvetica Neue"/>
+              </a:rPr>
+              <a:t>2016 </a:t>
+            </a:r>
+            <a:r>
+              <a:rPr lang="en-US" dirty="0">
+                <a:solidFill>
+                  <a:srgbClr val="000000"/>
+                </a:solidFill>
+                <a:latin typeface="Helvetica Neue"/>
+              </a:rPr>
+              <a:t>: Saudi, China, ISIS, </a:t>
+            </a:r>
+            <a:r>
+              <a:rPr lang="en-US" dirty="0" err="1">
+                <a:solidFill>
+                  <a:srgbClr val="000000"/>
+                </a:solidFill>
+                <a:latin typeface="Helvetica Neue"/>
+              </a:rPr>
+              <a:t>Iran,Korea</a:t>
+            </a:r>
+            <a:endParaRPr lang="en-US" b="0" i="0" dirty="0">
+              <a:solidFill>
+                <a:srgbClr val="000000"/>
+              </a:solidFill>
+              <a:effectLst/>
+              <a:latin typeface="Helvetica Neue"/>
+            </a:endParaRPr>
+          </a:p>
+        </p:txBody>
+      </p:sp>
+      <p:pic>
+        <p:nvPicPr>
+          <p:cNvPr id="5" name="Picture 4"/>
+          <p:cNvPicPr>
+            <a:picLocks noChangeAspect="1"/>
+          </p:cNvPicPr>
+          <p:nvPr/>
+        </p:nvPicPr>
+        <p:blipFill>
+          <a:blip r:embed="rId2"/>
+          <a:stretch>
+            <a:fillRect/>
+          </a:stretch>
+        </p:blipFill>
+        <p:spPr>
+          <a:xfrm>
+            <a:off x="200893" y="2136710"/>
+            <a:ext cx="7240226" cy="2460690"/>
+          </a:xfrm>
+          <a:prstGeom prst="rect">
+            <a:avLst/>
+          </a:prstGeom>
+        </p:spPr>
+      </p:pic>
+    </p:spTree>
+    <p:extLst>
+      <p:ext uri="{BB962C8B-B14F-4D97-AF65-F5344CB8AC3E}">
+        <p14:creationId xmlns:p14="http://schemas.microsoft.com/office/powerpoint/2010/main" val="4035069050"/>
+      </p:ext>
+    </p:extLst>
+  </p:cSld>
+  <p:clrMapOvr>
+    <a:masterClrMapping/>
+  </p:clrMapOvr>
+</p:sld>
+</file>
+
+<file path=ppt/slides/slide13.xml><?xml version="1.0" encoding="utf-8"?>
+<p:sld xmlns:a="http://schemas.openxmlformats.org/drawingml/2006/main" xmlns:r="http://schemas.openxmlformats.org/officeDocument/2006/relationships" xmlns:p="http://schemas.openxmlformats.org/presentationml/2006/main">
+  <p:cSld>
+    <p:spTree>
+      <p:nvGrpSpPr>
+        <p:cNvPr id="1" name=""/>
+        <p:cNvGrpSpPr/>
+        <p:nvPr/>
+      </p:nvGrpSpPr>
+      <p:grpSpPr>
+        <a:xfrm>
+          <a:off x="0" y="0"/>
+          <a:ext cx="0" cy="0"/>
+          <a:chOff x="0" y="0"/>
+          <a:chExt cx="0" cy="0"/>
+        </a:xfrm>
+      </p:grpSpPr>
+      <p:sp>
+        <p:nvSpPr>
+          <p:cNvPr id="2" name="Title 1"/>
+          <p:cNvSpPr>
+            <a:spLocks noGrp="1"/>
+          </p:cNvSpPr>
+          <p:nvPr>
+            <p:ph type="title"/>
+          </p:nvPr>
+        </p:nvSpPr>
+        <p:spPr/>
+        <p:txBody>
+          <a:bodyPr/>
+          <a:lstStyle/>
+          <a:p>
+            <a:endParaRPr lang="en-US" dirty="0"/>
+          </a:p>
+        </p:txBody>
+      </p:sp>
+      <p:pic>
+        <p:nvPicPr>
+          <p:cNvPr id="4" name="Content Placeholder 3"/>
+          <p:cNvPicPr>
+            <a:picLocks noGrp="1" noChangeAspect="1"/>
+          </p:cNvPicPr>
+          <p:nvPr>
+            <p:ph idx="1"/>
+          </p:nvPr>
+        </p:nvPicPr>
+        <p:blipFill>
+          <a:blip r:embed="rId2"/>
+          <a:stretch>
+            <a:fillRect/>
+          </a:stretch>
+        </p:blipFill>
+        <p:spPr>
+          <a:xfrm>
+            <a:off x="1772550" y="1597707"/>
+            <a:ext cx="6140766" cy="4349974"/>
+          </a:xfrm>
+          <a:prstGeom prst="rect">
+            <a:avLst/>
+          </a:prstGeom>
+        </p:spPr>
+      </p:pic>
+    </p:spTree>
+    <p:extLst>
+      <p:ext uri="{BB962C8B-B14F-4D97-AF65-F5344CB8AC3E}">
+        <p14:creationId xmlns:p14="http://schemas.microsoft.com/office/powerpoint/2010/main" val="3934028636"/>
+      </p:ext>
+    </p:extLst>
+  </p:cSld>
+  <p:clrMapOvr>
+    <a:masterClrMapping/>
+  </p:clrMapOvr>
+</p:sld>
+</file>
+
+<file path=ppt/slides/slide14.xml><?xml version="1.0" encoding="utf-8"?>
+<p:sld xmlns:a="http://schemas.openxmlformats.org/drawingml/2006/main" xmlns:r="http://schemas.openxmlformats.org/officeDocument/2006/relationships" xmlns:p="http://schemas.openxmlformats.org/presentationml/2006/main">
+  <p:cSld>
+    <p:spTree>
+      <p:nvGrpSpPr>
+        <p:cNvPr id="1" name=""/>
+        <p:cNvGrpSpPr/>
+        <p:nvPr/>
+      </p:nvGrpSpPr>
+      <p:grpSpPr>
+        <a:xfrm>
+          <a:off x="0" y="0"/>
+          <a:ext cx="0" cy="0"/>
+          <a:chOff x="0" y="0"/>
+          <a:chExt cx="0" cy="0"/>
+        </a:xfrm>
+      </p:grpSpPr>
+      <p:sp>
+        <p:nvSpPr>
+          <p:cNvPr id="2" name="Title 1"/>
+          <p:cNvSpPr>
+            <a:spLocks noGrp="1"/>
+          </p:cNvSpPr>
+          <p:nvPr>
+            <p:ph type="title"/>
+          </p:nvPr>
+        </p:nvSpPr>
+        <p:spPr/>
+        <p:txBody>
+          <a:bodyPr/>
+          <a:lstStyle/>
+          <a:p>
+            <a:r>
+              <a:rPr lang="en-US" dirty="0" smtClean="0"/>
+              <a:t>VIX Price (Y – Variables)</a:t>
+            </a:r>
+            <a:endParaRPr lang="en-US" dirty="0"/>
+          </a:p>
+        </p:txBody>
+      </p:sp>
+      <p:sp>
+        <p:nvSpPr>
+          <p:cNvPr id="3" name="Content Placeholder 2"/>
+          <p:cNvSpPr>
+            <a:spLocks noGrp="1"/>
+          </p:cNvSpPr>
+          <p:nvPr>
+            <p:ph idx="1"/>
+          </p:nvPr>
+        </p:nvSpPr>
+        <p:spPr/>
+        <p:txBody>
+          <a:bodyPr/>
+          <a:lstStyle/>
+          <a:p>
+            <a:r>
+              <a:rPr lang="en-US" b="1" dirty="0" err="1"/>
+              <a:t>Vix</a:t>
+            </a:r>
+            <a:r>
+              <a:rPr lang="en-US" b="1" dirty="0"/>
+              <a:t> Historical data : VIX data for 2004 to 2020</a:t>
+            </a:r>
+          </a:p>
+          <a:p>
+            <a:r>
+              <a:rPr lang="en-US" dirty="0"/>
+              <a:t>Source : </a:t>
+            </a:r>
+            <a:r>
+              <a:rPr lang="en-US" u="sng" dirty="0">
+                <a:hlinkClick r:id="rId2"/>
+              </a:rPr>
+              <a:t>http://www.cboe.com/products/vix-index-volatility/vix-options-and-futures/vix-index/vix-historical-data</a:t>
+            </a:r>
+            <a:endParaRPr lang="en-US" dirty="0"/>
+          </a:p>
+          <a:p>
+            <a:endParaRPr lang="en-US" dirty="0"/>
+          </a:p>
+        </p:txBody>
+      </p:sp>
+    </p:spTree>
+    <p:extLst>
+      <p:ext uri="{BB962C8B-B14F-4D97-AF65-F5344CB8AC3E}">
+        <p14:creationId xmlns:p14="http://schemas.microsoft.com/office/powerpoint/2010/main" val="78816739"/>
+      </p:ext>
+    </p:extLst>
+  </p:cSld>
+  <p:clrMapOvr>
+    <a:masterClrMapping/>
+  </p:clrMapOvr>
+  <p:timing>
+    <p:tnLst>
+      <p:par>
+        <p:cTn id="1" dur="indefinite" restart="never" nodeType="tmRoot"/>
+      </p:par>
+    </p:tnLst>
+  </p:timing>
+</p:sld>
+</file>
+
+<file path=ppt/slides/slide15.xml><?xml version="1.0" encoding="utf-8"?>
+<p:sld xmlns:a="http://schemas.openxmlformats.org/drawingml/2006/main" xmlns:r="http://schemas.openxmlformats.org/officeDocument/2006/relationships" xmlns:p="http://schemas.openxmlformats.org/presentationml/2006/main">
+  <p:cSld>
+    <p:spTree>
+      <p:nvGrpSpPr>
+        <p:cNvPr id="1" name=""/>
+        <p:cNvGrpSpPr/>
+        <p:nvPr/>
+      </p:nvGrpSpPr>
+      <p:grpSpPr>
+        <a:xfrm>
+          <a:off x="0" y="0"/>
+          <a:ext cx="0" cy="0"/>
+          <a:chOff x="0" y="0"/>
+          <a:chExt cx="0" cy="0"/>
+        </a:xfrm>
+      </p:grpSpPr>
+      <p:sp>
+        <p:nvSpPr>
+          <p:cNvPr id="2" name="Title 1"/>
+          <p:cNvSpPr>
+            <a:spLocks noGrp="1"/>
+          </p:cNvSpPr>
+          <p:nvPr>
+            <p:ph type="title"/>
+          </p:nvPr>
+        </p:nvSpPr>
+        <p:spPr/>
+        <p:txBody>
+          <a:bodyPr/>
+          <a:lstStyle/>
+          <a:p>
+            <a:r>
+              <a:rPr lang="en-US" dirty="0"/>
+              <a:t>VIX Price (Y – Variables)</a:t>
+            </a:r>
+          </a:p>
+        </p:txBody>
+      </p:sp>
+      <p:pic>
+        <p:nvPicPr>
+          <p:cNvPr id="4" name="Content Placeholder 3"/>
+          <p:cNvPicPr>
+            <a:picLocks noGrp="1" noChangeAspect="1"/>
+          </p:cNvPicPr>
+          <p:nvPr>
+            <p:ph idx="1"/>
+          </p:nvPr>
+        </p:nvPicPr>
+        <p:blipFill>
+          <a:blip r:embed="rId2"/>
+          <a:stretch>
+            <a:fillRect/>
+          </a:stretch>
+        </p:blipFill>
+        <p:spPr>
+          <a:xfrm>
+            <a:off x="2895435" y="2121597"/>
+            <a:ext cx="6401129" cy="3759393"/>
+          </a:xfrm>
+          <a:prstGeom prst="rect">
+            <a:avLst/>
+          </a:prstGeom>
+        </p:spPr>
+      </p:pic>
+    </p:spTree>
+    <p:extLst>
+      <p:ext uri="{BB962C8B-B14F-4D97-AF65-F5344CB8AC3E}">
+        <p14:creationId xmlns:p14="http://schemas.microsoft.com/office/powerpoint/2010/main" val="3672966333"/>
+      </p:ext>
+    </p:extLst>
+  </p:cSld>
+  <p:clrMapOvr>
+    <a:masterClrMapping/>
+  </p:clrMapOvr>
+</p:sld>
+</file>
+
+<file path=ppt/slides/slide16.xml><?xml version="1.0" encoding="utf-8"?>
+<p:sld xmlns:a="http://schemas.openxmlformats.org/drawingml/2006/main" xmlns:r="http://schemas.openxmlformats.org/officeDocument/2006/relationships" xmlns:p="http://schemas.openxmlformats.org/presentationml/2006/main">
+  <p:cSld>
+    <p:spTree>
+      <p:nvGrpSpPr>
+        <p:cNvPr id="1" name=""/>
+        <p:cNvGrpSpPr/>
+        <p:nvPr/>
+      </p:nvGrpSpPr>
+      <p:grpSpPr>
+        <a:xfrm>
+          <a:off x="0" y="0"/>
+          <a:ext cx="0" cy="0"/>
+          <a:chOff x="0" y="0"/>
+          <a:chExt cx="0" cy="0"/>
+        </a:xfrm>
+      </p:grpSpPr>
+      <p:sp>
+        <p:nvSpPr>
+          <p:cNvPr id="2" name="Title 1"/>
+          <p:cNvSpPr>
+            <a:spLocks noGrp="1"/>
+          </p:cNvSpPr>
+          <p:nvPr>
+            <p:ph type="title"/>
+          </p:nvPr>
+        </p:nvSpPr>
+        <p:spPr/>
+        <p:txBody>
+          <a:bodyPr/>
+          <a:lstStyle/>
+          <a:p>
+            <a:r>
+              <a:rPr lang="en-US" dirty="0" smtClean="0"/>
+              <a:t>1</a:t>
+            </a:r>
+            <a:r>
+              <a:rPr lang="en-US" baseline="30000" dirty="0" smtClean="0"/>
+              <a:t>st</a:t>
+            </a:r>
+            <a:r>
+              <a:rPr lang="en-US" dirty="0" smtClean="0"/>
+              <a:t> part </a:t>
+            </a:r>
+            <a:endParaRPr lang="en-US" dirty="0"/>
+          </a:p>
+        </p:txBody>
+      </p:sp>
+      <p:sp>
+        <p:nvSpPr>
+          <p:cNvPr id="3" name="Content Placeholder 2"/>
+          <p:cNvSpPr>
+            <a:spLocks noGrp="1"/>
+          </p:cNvSpPr>
+          <p:nvPr>
+            <p:ph idx="1"/>
+          </p:nvPr>
+        </p:nvSpPr>
+        <p:spPr/>
+        <p:txBody>
+          <a:bodyPr/>
+          <a:lstStyle/>
+          <a:p>
+            <a:r>
+              <a:rPr lang="en-US" dirty="0" smtClean="0"/>
+              <a:t>Create a modelling to predict if the VIX is going to go up or down on that day itself. </a:t>
+            </a:r>
+            <a:endParaRPr lang="en-US" dirty="0"/>
+          </a:p>
+        </p:txBody>
+      </p:sp>
+    </p:spTree>
+    <p:extLst>
+      <p:ext uri="{BB962C8B-B14F-4D97-AF65-F5344CB8AC3E}">
+        <p14:creationId xmlns:p14="http://schemas.microsoft.com/office/powerpoint/2010/main" val="4125859356"/>
+      </p:ext>
+    </p:extLst>
+  </p:cSld>
+  <p:clrMapOvr>
+    <a:masterClrMapping/>
+  </p:clrMapOvr>
+</p:sld>
+</file>
+
+<file path=ppt/slides/slide17.xml><?xml version="1.0" encoding="utf-8"?>
+<p:sld xmlns:a="http://schemas.openxmlformats.org/drawingml/2006/main" xmlns:r="http://schemas.openxmlformats.org/officeDocument/2006/relationships" xmlns:p="http://schemas.openxmlformats.org/presentationml/2006/main">
+  <p:cSld>
+    <p:spTree>
+      <p:nvGrpSpPr>
+        <p:cNvPr id="1" name=""/>
+        <p:cNvGrpSpPr/>
+        <p:nvPr/>
+      </p:nvGrpSpPr>
+      <p:grpSpPr>
+        <a:xfrm>
+          <a:off x="0" y="0"/>
+          <a:ext cx="0" cy="0"/>
+          <a:chOff x="0" y="0"/>
+          <a:chExt cx="0" cy="0"/>
+        </a:xfrm>
+      </p:grpSpPr>
+      <p:sp>
+        <p:nvSpPr>
+          <p:cNvPr id="2" name="Title 1"/>
+          <p:cNvSpPr>
+            <a:spLocks noGrp="1"/>
+          </p:cNvSpPr>
+          <p:nvPr>
+            <p:ph type="title"/>
+          </p:nvPr>
+        </p:nvSpPr>
+        <p:spPr/>
+        <p:txBody>
+          <a:bodyPr/>
+          <a:lstStyle/>
+          <a:p>
+            <a:r>
+              <a:rPr lang="en-US" dirty="0" smtClean="0"/>
+              <a:t>Preprocessing and Train Test Split</a:t>
+            </a:r>
+            <a:endParaRPr lang="en-US" dirty="0"/>
+          </a:p>
+        </p:txBody>
+      </p:sp>
+      <p:sp>
+        <p:nvSpPr>
+          <p:cNvPr id="3" name="Content Placeholder 2"/>
+          <p:cNvSpPr>
+            <a:spLocks noGrp="1"/>
+          </p:cNvSpPr>
+          <p:nvPr>
+            <p:ph idx="1"/>
+          </p:nvPr>
+        </p:nvSpPr>
+        <p:spPr/>
+        <p:txBody>
+          <a:bodyPr>
+            <a:normAutofit/>
+          </a:bodyPr>
+          <a:lstStyle/>
+          <a:p>
+            <a:r>
+              <a:rPr lang="en-US" dirty="0"/>
+              <a:t>Text preprocessing - remove punctuation, </a:t>
+            </a:r>
+            <a:r>
+              <a:rPr lang="en-US" dirty="0" err="1"/>
+              <a:t>stopwords</a:t>
+            </a:r>
+            <a:r>
+              <a:rPr lang="en-US" dirty="0"/>
+              <a:t> and malformed words, lowercase, lemmatize and finally tokenize words</a:t>
+            </a:r>
+          </a:p>
+          <a:p>
+            <a:r>
+              <a:rPr lang="en-US" dirty="0"/>
+              <a:t>Train Test Split - Randomly shuffled and split the processed data into 80% training and 20% test set.</a:t>
+            </a:r>
+          </a:p>
+          <a:p>
+            <a:endParaRPr lang="en-US" dirty="0"/>
+          </a:p>
+        </p:txBody>
+      </p:sp>
+    </p:spTree>
+    <p:extLst>
+      <p:ext uri="{BB962C8B-B14F-4D97-AF65-F5344CB8AC3E}">
+        <p14:creationId xmlns:p14="http://schemas.microsoft.com/office/powerpoint/2010/main" val="1379696205"/>
+      </p:ext>
+    </p:extLst>
+  </p:cSld>
+  <p:clrMapOvr>
+    <a:masterClrMapping/>
+  </p:clrMapOvr>
+</p:sld>
+</file>
+
+<file path=ppt/slides/slide18.xml><?xml version="1.0" encoding="utf-8"?>
+<p:sld xmlns:a="http://schemas.openxmlformats.org/drawingml/2006/main" xmlns:r="http://schemas.openxmlformats.org/officeDocument/2006/relationships" xmlns:p="http://schemas.openxmlformats.org/presentationml/2006/main">
+  <p:cSld>
+    <p:spTree>
+      <p:nvGrpSpPr>
+        <p:cNvPr id="1" name=""/>
+        <p:cNvGrpSpPr/>
+        <p:nvPr/>
+      </p:nvGrpSpPr>
+      <p:grpSpPr>
+        <a:xfrm>
+          <a:off x="0" y="0"/>
+          <a:ext cx="0" cy="0"/>
+          <a:chOff x="0" y="0"/>
+          <a:chExt cx="0" cy="0"/>
+        </a:xfrm>
+      </p:grpSpPr>
+      <p:sp>
+        <p:nvSpPr>
+          <p:cNvPr id="2" name="Title 1"/>
+          <p:cNvSpPr>
+            <a:spLocks noGrp="1"/>
+          </p:cNvSpPr>
+          <p:nvPr>
+            <p:ph type="title"/>
+          </p:nvPr>
+        </p:nvSpPr>
+        <p:spPr/>
+        <p:txBody>
+          <a:bodyPr/>
+          <a:lstStyle/>
+          <a:p>
+            <a:r>
+              <a:rPr lang="en-US" dirty="0" smtClean="0"/>
               <a:t>Modelling</a:t>
             </a:r>
             <a:endParaRPr lang="en-US" dirty="0"/>
@@ -3330,7 +4058,7 @@
 </p:sld>
 </file>
 
-<file path=ppt/slides/slide13.xml><?xml version="1.0" encoding="utf-8"?>
+<file path=ppt/slides/slide19.xml><?xml version="1.0" encoding="utf-8"?>
 <p:sld xmlns:a="http://schemas.openxmlformats.org/drawingml/2006/main" xmlns:r="http://schemas.openxmlformats.org/officeDocument/2006/relationships" xmlns:p="http://schemas.openxmlformats.org/presentationml/2006/main">
   <p:cSld>
     <p:spTree>
@@ -3409,7 +4137,7 @@
 </p:sld>
 </file>
 
-<file path=ppt/slides/slide14.xml><?xml version="1.0" encoding="utf-8"?>
+<file path=ppt/slides/slide2.xml><?xml version="1.0" encoding="utf-8"?>
 <p:sld xmlns:a="http://schemas.openxmlformats.org/drawingml/2006/main" xmlns:r="http://schemas.openxmlformats.org/officeDocument/2006/relationships" xmlns:p="http://schemas.openxmlformats.org/presentationml/2006/main">
   <p:cSld>
     <p:spTree>
@@ -3442,6 +4170,122 @@
           <a:lstStyle/>
           <a:p>
             <a:r>
+              <a:rPr lang="en-US" b="1" dirty="0"/>
+              <a:t>Problem statement </a:t>
+            </a:r>
+            <a:r>
+              <a:rPr lang="en-US" b="1" dirty="0" smtClean="0"/>
+              <a:t>:</a:t>
+            </a:r>
+            <a:endParaRPr lang="en-US" dirty="0"/>
+          </a:p>
+        </p:txBody>
+      </p:sp>
+      <p:sp>
+        <p:nvSpPr>
+          <p:cNvPr id="3" name="Content Placeholder 2"/>
+          <p:cNvSpPr>
+            <a:spLocks noGrp="1"/>
+          </p:cNvSpPr>
+          <p:nvPr>
+            <p:ph idx="1"/>
+          </p:nvPr>
+        </p:nvSpPr>
+        <p:spPr/>
+        <p:txBody>
+          <a:bodyPr/>
+          <a:lstStyle/>
+          <a:p>
+            <a:r>
+              <a:rPr lang="en-US" sz="4000" dirty="0" smtClean="0"/>
+              <a:t>To </a:t>
+            </a:r>
+            <a:r>
+              <a:rPr lang="en-US" sz="4000" dirty="0"/>
+              <a:t>create a sentiment analysis estimator tools for traders </a:t>
+            </a:r>
+            <a:r>
+              <a:rPr lang="en-US" sz="4000" dirty="0" smtClean="0"/>
+              <a:t>using </a:t>
+            </a:r>
+            <a:r>
+              <a:rPr lang="en-US" sz="4000" dirty="0"/>
+              <a:t>news headlines based on VIX (Fear index) via Google Chrome Extension. </a:t>
+            </a:r>
+            <a:endParaRPr lang="en-US" sz="4000" dirty="0" smtClean="0"/>
+          </a:p>
+          <a:p>
+            <a:endParaRPr lang="en-US" sz="4000" dirty="0"/>
+          </a:p>
+          <a:p>
+            <a:r>
+              <a:rPr lang="en-US" sz="4000" dirty="0" smtClean="0"/>
+              <a:t>We </a:t>
+            </a:r>
+            <a:r>
+              <a:rPr lang="en-US" sz="4000" dirty="0"/>
+              <a:t>will be using sentiment reviews on our news headlines to predict the </a:t>
+            </a:r>
+            <a:r>
+              <a:rPr lang="en-US" sz="4000" dirty="0" smtClean="0"/>
+              <a:t>volatility </a:t>
+            </a:r>
+            <a:r>
+              <a:rPr lang="en-US" sz="4000" dirty="0"/>
+              <a:t>of VIX.</a:t>
+            </a:r>
+          </a:p>
+          <a:p>
+            <a:endParaRPr lang="en-US" dirty="0"/>
+          </a:p>
+        </p:txBody>
+      </p:sp>
+    </p:spTree>
+    <p:extLst>
+      <p:ext uri="{BB962C8B-B14F-4D97-AF65-F5344CB8AC3E}">
+        <p14:creationId xmlns:p14="http://schemas.microsoft.com/office/powerpoint/2010/main" val="3272353621"/>
+      </p:ext>
+    </p:extLst>
+  </p:cSld>
+  <p:clrMapOvr>
+    <a:masterClrMapping/>
+  </p:clrMapOvr>
+</p:sld>
+</file>
+
+<file path=ppt/slides/slide20.xml><?xml version="1.0" encoding="utf-8"?>
+<p:sld xmlns:a="http://schemas.openxmlformats.org/drawingml/2006/main" xmlns:r="http://schemas.openxmlformats.org/officeDocument/2006/relationships" xmlns:p="http://schemas.openxmlformats.org/presentationml/2006/main">
+  <p:cSld>
+    <p:spTree>
+      <p:nvGrpSpPr>
+        <p:cNvPr id="1" name=""/>
+        <p:cNvGrpSpPr/>
+        <p:nvPr/>
+      </p:nvGrpSpPr>
+      <p:grpSpPr>
+        <a:xfrm>
+          <a:off x="0" y="0"/>
+          <a:ext cx="0" cy="0"/>
+          <a:chOff x="0" y="0"/>
+          <a:chExt cx="0" cy="0"/>
+        </a:xfrm>
+      </p:grpSpPr>
+      <p:sp>
+        <p:nvSpPr>
+          <p:cNvPr id="2" name="Title 1"/>
+          <p:cNvSpPr>
+            <a:spLocks noGrp="1"/>
+          </p:cNvSpPr>
+          <p:nvPr>
+            <p:ph type="title"/>
+          </p:nvPr>
+        </p:nvSpPr>
+        <p:spPr/>
+        <p:txBody>
+          <a:bodyPr/>
+          <a:lstStyle/>
+          <a:p>
+            <a:r>
               <a:rPr lang="en-US" dirty="0" smtClean="0"/>
               <a:t>2</a:t>
             </a:r>
@@ -3501,7 +4345,7 @@
 </p:sld>
 </file>
 
-<file path=ppt/slides/slide15.xml><?xml version="1.0" encoding="utf-8"?>
+<file path=ppt/slides/slide21.xml><?xml version="1.0" encoding="utf-8"?>
 <p:sld xmlns:a="http://schemas.openxmlformats.org/drawingml/2006/main" xmlns:r="http://schemas.openxmlformats.org/officeDocument/2006/relationships" xmlns:p="http://schemas.openxmlformats.org/presentationml/2006/main">
   <p:cSld>
     <p:spTree>
@@ -3597,7 +4441,7 @@
 </p:sld>
 </file>
 
-<file path=ppt/slides/slide16.xml><?xml version="1.0" encoding="utf-8"?>
+<file path=ppt/slides/slide22.xml><?xml version="1.0" encoding="utf-8"?>
 <p:sld xmlns:a="http://schemas.openxmlformats.org/drawingml/2006/main" xmlns:r="http://schemas.openxmlformats.org/officeDocument/2006/relationships" xmlns:p="http://schemas.openxmlformats.org/presentationml/2006/main">
   <p:cSld>
     <p:spTree>
@@ -3676,7 +4520,7 @@
 </p:sld>
 </file>
 
-<file path=ppt/slides/slide17.xml><?xml version="1.0" encoding="utf-8"?>
+<file path=ppt/slides/slide23.xml><?xml version="1.0" encoding="utf-8"?>
 <p:sld xmlns:a="http://schemas.openxmlformats.org/drawingml/2006/main" xmlns:r="http://schemas.openxmlformats.org/officeDocument/2006/relationships" xmlns:p="http://schemas.openxmlformats.org/presentationml/2006/main">
   <p:cSld>
     <p:spTree>
@@ -3799,7 +4643,7 @@
 </p:sld>
 </file>
 
-<file path=ppt/slides/slide18.xml><?xml version="1.0" encoding="utf-8"?>
+<file path=ppt/slides/slide24.xml><?xml version="1.0" encoding="utf-8"?>
 <p:sld xmlns:a="http://schemas.openxmlformats.org/drawingml/2006/main" xmlns:r="http://schemas.openxmlformats.org/officeDocument/2006/relationships" xmlns:p="http://schemas.openxmlformats.org/presentationml/2006/main">
   <p:cSld>
     <p:spTree>
@@ -3878,7 +4722,7 @@
 </p:sld>
 </file>
 
-<file path=ppt/slides/slide19.xml><?xml version="1.0" encoding="utf-8"?>
+<file path=ppt/slides/slide25.xml><?xml version="1.0" encoding="utf-8"?>
 <p:sld xmlns:a="http://schemas.openxmlformats.org/drawingml/2006/main" xmlns:r="http://schemas.openxmlformats.org/officeDocument/2006/relationships" xmlns:p="http://schemas.openxmlformats.org/presentationml/2006/main">
   <p:cSld>
     <p:spTree>
@@ -3969,7 +4813,6 @@
               <a:rPr lang="en-US" dirty="0"/>
               <a:t>(NLP) tasks such as part-of-speech tagging, noun phrase extraction, sentiment analysis, classification, translation, and more.</a:t>
             </a:r>
-            <a:endParaRPr lang="en-US" dirty="0"/>
           </a:p>
         </p:txBody>
       </p:sp>
@@ -3986,7 +4829,7 @@
 </p:sld>
 </file>
 
-<file path=ppt/slides/slide2.xml><?xml version="1.0" encoding="utf-8"?>
+<file path=ppt/slides/slide26.xml><?xml version="1.0" encoding="utf-8"?>
 <p:sld xmlns:a="http://schemas.openxmlformats.org/drawingml/2006/main" xmlns:r="http://schemas.openxmlformats.org/officeDocument/2006/relationships" xmlns:p="http://schemas.openxmlformats.org/presentationml/2006/main">
   <p:cSld>
     <p:spTree>
@@ -4019,122 +4862,6 @@
           <a:lstStyle/>
           <a:p>
             <a:r>
-              <a:rPr lang="en-US" b="1" dirty="0"/>
-              <a:t>Problem statement </a:t>
-            </a:r>
-            <a:r>
-              <a:rPr lang="en-US" b="1" dirty="0" smtClean="0"/>
-              <a:t>:</a:t>
-            </a:r>
-            <a:endParaRPr lang="en-US" dirty="0"/>
-          </a:p>
-        </p:txBody>
-      </p:sp>
-      <p:sp>
-        <p:nvSpPr>
-          <p:cNvPr id="3" name="Content Placeholder 2"/>
-          <p:cNvSpPr>
-            <a:spLocks noGrp="1"/>
-          </p:cNvSpPr>
-          <p:nvPr>
-            <p:ph idx="1"/>
-          </p:nvPr>
-        </p:nvSpPr>
-        <p:spPr/>
-        <p:txBody>
-          <a:bodyPr/>
-          <a:lstStyle/>
-          <a:p>
-            <a:r>
-              <a:rPr lang="en-US" sz="4000" dirty="0" smtClean="0"/>
-              <a:t>To </a:t>
-            </a:r>
-            <a:r>
-              <a:rPr lang="en-US" sz="4000" dirty="0"/>
-              <a:t>create a sentiment analysis estimator tools for traders </a:t>
-            </a:r>
-            <a:r>
-              <a:rPr lang="en-US" sz="4000" dirty="0" smtClean="0"/>
-              <a:t>using </a:t>
-            </a:r>
-            <a:r>
-              <a:rPr lang="en-US" sz="4000" dirty="0"/>
-              <a:t>news headlines based on VIX (Fear index) via Google Chrome Extension. </a:t>
-            </a:r>
-            <a:endParaRPr lang="en-US" sz="4000" dirty="0" smtClean="0"/>
-          </a:p>
-          <a:p>
-            <a:endParaRPr lang="en-US" sz="4000" dirty="0"/>
-          </a:p>
-          <a:p>
-            <a:r>
-              <a:rPr lang="en-US" sz="4000" dirty="0" smtClean="0"/>
-              <a:t>We </a:t>
-            </a:r>
-            <a:r>
-              <a:rPr lang="en-US" sz="4000" dirty="0"/>
-              <a:t>will be using sentiment reviews on our news headlines to predict the </a:t>
-            </a:r>
-            <a:r>
-              <a:rPr lang="en-US" sz="4000" dirty="0" smtClean="0"/>
-              <a:t>volatility </a:t>
-            </a:r>
-            <a:r>
-              <a:rPr lang="en-US" sz="4000" dirty="0"/>
-              <a:t>of VIX.</a:t>
-            </a:r>
-          </a:p>
-          <a:p>
-            <a:endParaRPr lang="en-US" dirty="0"/>
-          </a:p>
-        </p:txBody>
-      </p:sp>
-    </p:spTree>
-    <p:extLst>
-      <p:ext uri="{BB962C8B-B14F-4D97-AF65-F5344CB8AC3E}">
-        <p14:creationId xmlns:p14="http://schemas.microsoft.com/office/powerpoint/2010/main" val="3272353621"/>
-      </p:ext>
-    </p:extLst>
-  </p:cSld>
-  <p:clrMapOvr>
-    <a:masterClrMapping/>
-  </p:clrMapOvr>
-</p:sld>
-</file>
-
-<file path=ppt/slides/slide20.xml><?xml version="1.0" encoding="utf-8"?>
-<p:sld xmlns:a="http://schemas.openxmlformats.org/drawingml/2006/main" xmlns:r="http://schemas.openxmlformats.org/officeDocument/2006/relationships" xmlns:p="http://schemas.openxmlformats.org/presentationml/2006/main">
-  <p:cSld>
-    <p:spTree>
-      <p:nvGrpSpPr>
-        <p:cNvPr id="1" name=""/>
-        <p:cNvGrpSpPr/>
-        <p:nvPr/>
-      </p:nvGrpSpPr>
-      <p:grpSpPr>
-        <a:xfrm>
-          <a:off x="0" y="0"/>
-          <a:ext cx="0" cy="0"/>
-          <a:chOff x="0" y="0"/>
-          <a:chExt cx="0" cy="0"/>
-        </a:xfrm>
-      </p:grpSpPr>
-      <p:sp>
-        <p:nvSpPr>
-          <p:cNvPr id="2" name="Title 1"/>
-          <p:cNvSpPr>
-            <a:spLocks noGrp="1"/>
-          </p:cNvSpPr>
-          <p:nvPr>
-            <p:ph type="title"/>
-          </p:nvPr>
-        </p:nvSpPr>
-        <p:spPr/>
-        <p:txBody>
-          <a:bodyPr/>
-          <a:lstStyle/>
-          <a:p>
-            <a:r>
               <a:rPr lang="en-US" dirty="0" smtClean="0"/>
               <a:t>Sample of </a:t>
             </a:r>
@@ -4231,7 +4958,7 @@
 </p:sld>
 </file>
 
-<file path=ppt/slides/slide21.xml><?xml version="1.0" encoding="utf-8"?>
+<file path=ppt/slides/slide27.xml><?xml version="1.0" encoding="utf-8"?>
 <p:sld xmlns:a="http://schemas.openxmlformats.org/drawingml/2006/main" xmlns:r="http://schemas.openxmlformats.org/officeDocument/2006/relationships" xmlns:p="http://schemas.openxmlformats.org/presentationml/2006/main">
   <p:cSld>
     <p:spTree>
@@ -4662,9 +5389,14 @@
           <a:bodyPr/>
           <a:lstStyle/>
           <a:p>
+            <a:pPr algn="ctr"/>
+            <a:r>
+              <a:rPr lang="en-US" dirty="0"/>
+              <a:t>Y</a:t>
+            </a:r>
             <a:r>
               <a:rPr lang="en-US" dirty="0" smtClean="0"/>
-              <a:t>For year 2008 to 2012</a:t>
+              <a:t>ear 2008 to 2010</a:t>
             </a:r>
             <a:endParaRPr lang="en-US" dirty="0"/>
           </a:p>
@@ -4672,7 +5404,7 @@
       </p:sp>
       <p:pic>
         <p:nvPicPr>
-          <p:cNvPr id="4" name="Content Placeholder 3"/>
+          <p:cNvPr id="5" name="Content Placeholder 4"/>
           <p:cNvPicPr>
             <a:picLocks noGrp="1" noChangeAspect="1"/>
           </p:cNvPicPr>
@@ -4688,8 +5420,80 @@
         </p:blipFill>
         <p:spPr>
           <a:xfrm>
-            <a:off x="280677" y="2338464"/>
-            <a:ext cx="11630645" cy="3312827"/>
+            <a:off x="429015" y="1719591"/>
+            <a:ext cx="3745095" cy="4226345"/>
+          </a:xfrm>
+          <a:prstGeom prst="rect">
+            <a:avLst/>
+          </a:prstGeom>
+        </p:spPr>
+      </p:pic>
+      <p:pic>
+        <p:nvPicPr>
+          <p:cNvPr id="8" name="Picture 7"/>
+          <p:cNvPicPr>
+            <a:picLocks noChangeAspect="1"/>
+          </p:cNvPicPr>
+          <p:nvPr/>
+        </p:nvPicPr>
+        <p:blipFill>
+          <a:blip r:embed="rId3"/>
+          <a:stretch>
+            <a:fillRect/>
+          </a:stretch>
+        </p:blipFill>
+        <p:spPr>
+          <a:xfrm>
+            <a:off x="8264426" y="2188564"/>
+            <a:ext cx="3640474" cy="3553795"/>
+          </a:xfrm>
+          <a:prstGeom prst="rect">
+            <a:avLst/>
+          </a:prstGeom>
+        </p:spPr>
+      </p:pic>
+      <p:pic>
+        <p:nvPicPr>
+          <p:cNvPr id="9" name="Picture 8"/>
+          <p:cNvPicPr>
+            <a:picLocks noChangeAspect="1"/>
+          </p:cNvPicPr>
+          <p:nvPr/>
+        </p:nvPicPr>
+        <p:blipFill>
+          <a:blip r:embed="rId4"/>
+          <a:stretch>
+            <a:fillRect/>
+          </a:stretch>
+        </p:blipFill>
+        <p:spPr>
+          <a:xfrm>
+            <a:off x="4174110" y="1520413"/>
+            <a:ext cx="3815647" cy="4425523"/>
+          </a:xfrm>
+          <a:prstGeom prst="rect">
+            <a:avLst/>
+          </a:prstGeom>
+        </p:spPr>
+      </p:pic>
+      <p:pic>
+        <p:nvPicPr>
+          <p:cNvPr id="10" name="Picture 9"/>
+          <p:cNvPicPr>
+            <a:picLocks noChangeAspect="1"/>
+          </p:cNvPicPr>
+          <p:nvPr/>
+        </p:nvPicPr>
+        <p:blipFill>
+          <a:blip r:embed="rId5"/>
+          <a:stretch>
+            <a:fillRect/>
+          </a:stretch>
+        </p:blipFill>
+        <p:spPr>
+          <a:xfrm>
+            <a:off x="9563501" y="1520413"/>
+            <a:ext cx="893270" cy="469254"/>
           </a:xfrm>
           <a:prstGeom prst="rect">
             <a:avLst/>
@@ -4748,9 +5552,10 @@
           <a:bodyPr/>
           <a:lstStyle/>
           <a:p>
+            <a:pPr algn="ctr"/>
             <a:r>
               <a:rPr lang="en-US" dirty="0" smtClean="0"/>
-              <a:t>2013 to 2016</a:t>
+              <a:t>Year 2011 to 2013 </a:t>
             </a:r>
             <a:endParaRPr lang="en-US" dirty="0"/>
           </a:p>
@@ -4774,8 +5579,56 @@
         </p:blipFill>
         <p:spPr>
           <a:xfrm>
-            <a:off x="838200" y="2419092"/>
-            <a:ext cx="10496052" cy="3442062"/>
+            <a:off x="134911" y="1690688"/>
+            <a:ext cx="4201287" cy="4201287"/>
+          </a:xfrm>
+          <a:prstGeom prst="rect">
+            <a:avLst/>
+          </a:prstGeom>
+        </p:spPr>
+      </p:pic>
+      <p:pic>
+        <p:nvPicPr>
+          <p:cNvPr id="5" name="Picture 4"/>
+          <p:cNvPicPr>
+            <a:picLocks noChangeAspect="1"/>
+          </p:cNvPicPr>
+          <p:nvPr/>
+        </p:nvPicPr>
+        <p:blipFill>
+          <a:blip r:embed="rId3"/>
+          <a:stretch>
+            <a:fillRect/>
+          </a:stretch>
+        </p:blipFill>
+        <p:spPr>
+          <a:xfrm>
+            <a:off x="4736892" y="1587615"/>
+            <a:ext cx="3387777" cy="4389274"/>
+          </a:xfrm>
+          <a:prstGeom prst="rect">
+            <a:avLst/>
+          </a:prstGeom>
+        </p:spPr>
+      </p:pic>
+      <p:pic>
+        <p:nvPicPr>
+          <p:cNvPr id="6" name="Picture 5"/>
+          <p:cNvPicPr>
+            <a:picLocks noChangeAspect="1"/>
+          </p:cNvPicPr>
+          <p:nvPr/>
+        </p:nvPicPr>
+        <p:blipFill>
+          <a:blip r:embed="rId4"/>
+          <a:stretch>
+            <a:fillRect/>
+          </a:stretch>
+        </p:blipFill>
+        <p:spPr>
+          <a:xfrm>
+            <a:off x="7869502" y="1587615"/>
+            <a:ext cx="4153859" cy="4304360"/>
           </a:xfrm>
           <a:prstGeom prst="rect">
             <a:avLst/>
@@ -4785,13 +5638,20 @@
     </p:spTree>
     <p:extLst>
       <p:ext uri="{BB962C8B-B14F-4D97-AF65-F5344CB8AC3E}">
-        <p14:creationId xmlns:p14="http://schemas.microsoft.com/office/powerpoint/2010/main" val="3665066030"/>
+        <p14:creationId xmlns:p14="http://schemas.microsoft.com/office/powerpoint/2010/main" val="501160378"/>
       </p:ext>
     </p:extLst>
   </p:cSld>
   <p:clrMapOvr>
     <a:masterClrMapping/>
   </p:clrMapOvr>
+  <p:timing>
+    <p:tnLst>
+      <p:par>
+        <p:cTn id="1" dur="indefinite" restart="never" nodeType="tmRoot"/>
+      </p:par>
+    </p:tnLst>
+  </p:timing>
 </p:sld>
 </file>
 
@@ -4827,9 +5687,10 @@
           <a:bodyPr/>
           <a:lstStyle/>
           <a:p>
+            <a:pPr algn="ctr"/>
             <a:r>
               <a:rPr lang="en-US" dirty="0" smtClean="0"/>
-              <a:t>Candlesticks</a:t>
+              <a:t>Year 2014 to 2016</a:t>
             </a:r>
             <a:endParaRPr lang="en-US" dirty="0"/>
           </a:p>
@@ -4837,13 +5698,11 @@
       </p:sp>
       <p:pic>
         <p:nvPicPr>
-          <p:cNvPr id="4" name="Content Placeholder 3"/>
+          <p:cNvPr id="5" name="Picture 4"/>
           <p:cNvPicPr>
-            <a:picLocks noGrp="1" noChangeAspect="1"/>
+            <a:picLocks noChangeAspect="1"/>
           </p:cNvPicPr>
-          <p:nvPr>
-            <p:ph idx="1"/>
-          </p:nvPr>
+          <p:nvPr/>
         </p:nvPicPr>
         <p:blipFill>
           <a:blip r:embed="rId2"/>
@@ -4853,8 +5712,56 @@
         </p:blipFill>
         <p:spPr>
           <a:xfrm>
-            <a:off x="1652733" y="1861516"/>
-            <a:ext cx="8886533" cy="4443266"/>
+            <a:off x="251626" y="1407938"/>
+            <a:ext cx="3540885" cy="5008609"/>
+          </a:xfrm>
+          <a:prstGeom prst="rect">
+            <a:avLst/>
+          </a:prstGeom>
+        </p:spPr>
+      </p:pic>
+      <p:pic>
+        <p:nvPicPr>
+          <p:cNvPr id="6" name="Picture 5"/>
+          <p:cNvPicPr>
+            <a:picLocks noChangeAspect="1"/>
+          </p:cNvPicPr>
+          <p:nvPr/>
+        </p:nvPicPr>
+        <p:blipFill>
+          <a:blip r:embed="rId3"/>
+          <a:stretch>
+            <a:fillRect/>
+          </a:stretch>
+        </p:blipFill>
+        <p:spPr>
+          <a:xfrm>
+            <a:off x="4382434" y="1407938"/>
+            <a:ext cx="3623741" cy="4910295"/>
+          </a:xfrm>
+          <a:prstGeom prst="rect">
+            <a:avLst/>
+          </a:prstGeom>
+        </p:spPr>
+      </p:pic>
+      <p:pic>
+        <p:nvPicPr>
+          <p:cNvPr id="7" name="Picture 6"/>
+          <p:cNvPicPr>
+            <a:picLocks noChangeAspect="1"/>
+          </p:cNvPicPr>
+          <p:nvPr/>
+        </p:nvPicPr>
+        <p:blipFill>
+          <a:blip r:embed="rId4"/>
+          <a:stretch>
+            <a:fillRect/>
+          </a:stretch>
+        </p:blipFill>
+        <p:spPr>
+          <a:xfrm>
+            <a:off x="8419365" y="1542847"/>
+            <a:ext cx="3427990" cy="4588129"/>
           </a:xfrm>
           <a:prstGeom prst="rect">
             <a:avLst/>
@@ -4864,13 +5771,20 @@
     </p:spTree>
     <p:extLst>
       <p:ext uri="{BB962C8B-B14F-4D97-AF65-F5344CB8AC3E}">
-        <p14:creationId xmlns:p14="http://schemas.microsoft.com/office/powerpoint/2010/main" val="3834038764"/>
+        <p14:creationId xmlns:p14="http://schemas.microsoft.com/office/powerpoint/2010/main" val="3665066030"/>
       </p:ext>
     </p:extLst>
   </p:cSld>
   <p:clrMapOvr>
     <a:masterClrMapping/>
   </p:clrMapOvr>
+  <p:timing>
+    <p:tnLst>
+      <p:par>
+        <p:cTn id="1" dur="indefinite" restart="never" nodeType="tmRoot"/>
+      </p:par>
+    </p:tnLst>
+  </p:timing>
 </p:sld>
 </file>
 
@@ -4908,71 +5822,162 @@
           <a:p>
             <a:r>
               <a:rPr lang="en-US" dirty="0" smtClean="0"/>
-              <a:t>VIX Price (Y – Variables)</a:t>
+              <a:t>Candlesticks</a:t>
             </a:r>
             <a:endParaRPr lang="en-US" dirty="0"/>
           </a:p>
         </p:txBody>
       </p:sp>
-      <p:sp>
-        <p:nvSpPr>
-          <p:cNvPr id="3" name="Content Placeholder 2"/>
-          <p:cNvSpPr>
-            <a:spLocks noGrp="1"/>
-          </p:cNvSpPr>
+      <p:pic>
+        <p:nvPicPr>
+          <p:cNvPr id="6" name="Content Placeholder 5"/>
+          <p:cNvPicPr>
+            <a:picLocks noGrp="1" noChangeAspect="1"/>
+          </p:cNvPicPr>
           <p:nvPr>
             <p:ph idx="1"/>
           </p:nvPr>
-        </p:nvSpPr>
-        <p:spPr/>
-        <p:txBody>
-          <a:bodyPr/>
-          <a:lstStyle/>
-          <a:p>
-            <a:r>
-              <a:rPr lang="en-US" b="1" dirty="0" err="1"/>
-              <a:t>Vix</a:t>
-            </a:r>
-            <a:r>
-              <a:rPr lang="en-US" b="1" dirty="0"/>
-              <a:t> Historical data : VIX data for 2004 to 2020</a:t>
-            </a:r>
-          </a:p>
-          <a:p>
-            <a:r>
-              <a:rPr lang="en-US" dirty="0"/>
-              <a:t>Source : </a:t>
-            </a:r>
-            <a:r>
-              <a:rPr lang="en-US" u="sng" dirty="0">
-                <a:hlinkClick r:id="rId2"/>
+        </p:nvPicPr>
+        <p:blipFill>
+          <a:blip r:embed="rId2"/>
+          <a:stretch>
+            <a:fillRect/>
+          </a:stretch>
+        </p:blipFill>
+        <p:spPr>
+          <a:xfrm>
+            <a:off x="114835" y="1400009"/>
+            <a:ext cx="6896454" cy="2505652"/>
+          </a:xfrm>
+          <a:prstGeom prst="rect">
+            <a:avLst/>
+          </a:prstGeom>
+        </p:spPr>
+      </p:pic>
+      <p:sp>
+        <p:nvSpPr>
+          <p:cNvPr id="7" name="Rectangle 6"/>
+          <p:cNvSpPr/>
+          <p:nvPr/>
+        </p:nvSpPr>
+        <p:spPr>
+          <a:xfrm>
+            <a:off x="7011289" y="2350161"/>
+            <a:ext cx="4532010" cy="369332"/>
+          </a:xfrm>
+          <a:prstGeom prst="rect">
+            <a:avLst/>
+          </a:prstGeom>
+        </p:spPr>
+        <p:txBody>
+          <a:bodyPr wrap="none">
+            <a:spAutoFit/>
+          </a:bodyPr>
+          <a:lstStyle/>
+          <a:p>
+            <a:r>
+              <a:rPr lang="en-US" dirty="0" smtClean="0">
+                <a:solidFill>
+                  <a:srgbClr val="000000"/>
+                </a:solidFill>
+                <a:latin typeface="Helvetica Neue"/>
               </a:rPr>
-              <a:t>http://www.cboe.com/products/vix-index-volatility/vix-options-and-futures/vix-index/vix-historical-data</a:t>
-            </a:r>
-            <a:endParaRPr lang="en-US" dirty="0"/>
-          </a:p>
-          <a:p>
-            <a:endParaRPr lang="en-US" dirty="0"/>
+              <a:t>2008 </a:t>
+            </a:r>
+            <a:r>
+              <a:rPr lang="en-US" dirty="0">
+                <a:solidFill>
+                  <a:srgbClr val="000000"/>
+                </a:solidFill>
+                <a:latin typeface="Helvetica Neue"/>
+              </a:rPr>
+              <a:t>: US , Man, Georgia, Russian, leader</a:t>
+            </a:r>
+          </a:p>
+        </p:txBody>
+      </p:sp>
+      <p:pic>
+        <p:nvPicPr>
+          <p:cNvPr id="8" name="Picture 7"/>
+          <p:cNvPicPr>
+            <a:picLocks noChangeAspect="1"/>
+          </p:cNvPicPr>
+          <p:nvPr/>
+        </p:nvPicPr>
+        <p:blipFill>
+          <a:blip r:embed="rId3"/>
+          <a:stretch>
+            <a:fillRect/>
+          </a:stretch>
+        </p:blipFill>
+        <p:spPr>
+          <a:xfrm>
+            <a:off x="49024" y="3996268"/>
+            <a:ext cx="6962265" cy="2396066"/>
+          </a:xfrm>
+          <a:prstGeom prst="rect">
+            <a:avLst/>
+          </a:prstGeom>
+        </p:spPr>
+      </p:pic>
+      <p:sp>
+        <p:nvSpPr>
+          <p:cNvPr id="9" name="Rectangle 8"/>
+          <p:cNvSpPr/>
+          <p:nvPr/>
+        </p:nvSpPr>
+        <p:spPr>
+          <a:xfrm>
+            <a:off x="7011289" y="4565134"/>
+            <a:ext cx="4762842" cy="369332"/>
+          </a:xfrm>
+          <a:prstGeom prst="rect">
+            <a:avLst/>
+          </a:prstGeom>
+        </p:spPr>
+        <p:txBody>
+          <a:bodyPr wrap="none">
+            <a:spAutoFit/>
+          </a:bodyPr>
+          <a:lstStyle/>
+          <a:p>
+            <a:r>
+              <a:rPr lang="en-US" dirty="0">
+                <a:solidFill>
+                  <a:srgbClr val="000000"/>
+                </a:solidFill>
+                <a:latin typeface="Helvetica Neue"/>
+              </a:rPr>
+              <a:t>2009 : Israel, police, drug, British, </a:t>
+            </a:r>
+            <a:r>
+              <a:rPr lang="en-US" dirty="0" err="1">
+                <a:solidFill>
+                  <a:srgbClr val="000000"/>
+                </a:solidFill>
+                <a:latin typeface="Helvetica Neue"/>
+              </a:rPr>
+              <a:t>goverment</a:t>
+            </a:r>
+            <a:endParaRPr lang="en-US" dirty="0">
+              <a:solidFill>
+                <a:srgbClr val="000000"/>
+              </a:solidFill>
+              <a:latin typeface="Helvetica Neue"/>
+            </a:endParaRPr>
           </a:p>
         </p:txBody>
       </p:sp>
     </p:spTree>
     <p:extLst>
       <p:ext uri="{BB962C8B-B14F-4D97-AF65-F5344CB8AC3E}">
-        <p14:creationId xmlns:p14="http://schemas.microsoft.com/office/powerpoint/2010/main" val="78816739"/>
+        <p14:creationId xmlns:p14="http://schemas.microsoft.com/office/powerpoint/2010/main" val="3834038764"/>
       </p:ext>
     </p:extLst>
   </p:cSld>
   <p:clrMapOvr>
     <a:masterClrMapping/>
   </p:clrMapOvr>
-  <p:timing>
-    <p:tnLst>
-      <p:par>
-        <p:cTn id="1" dur="indefinite" restart="never" nodeType="tmRoot"/>
-      </p:par>
-    </p:tnLst>
-  </p:timing>
 </p:sld>
 </file>
 
@@ -5003,21 +6008,27 @@
             <p:ph type="title"/>
           </p:nvPr>
         </p:nvSpPr>
-        <p:spPr/>
-        <p:txBody>
-          <a:bodyPr/>
-          <a:lstStyle/>
-          <a:p>
-            <a:r>
-              <a:rPr lang="en-US" dirty="0"/>
-              <a:t>VIX Price (Y – Variables)</a:t>
-            </a:r>
+        <p:spPr>
+          <a:xfrm>
+            <a:off x="694267" y="281891"/>
+            <a:ext cx="10515600" cy="1325563"/>
+          </a:xfrm>
+        </p:spPr>
+        <p:txBody>
+          <a:bodyPr/>
+          <a:lstStyle/>
+          <a:p>
+            <a:r>
+              <a:rPr lang="en-US" dirty="0" smtClean="0"/>
+              <a:t>Candlesticks</a:t>
+            </a:r>
+            <a:endParaRPr lang="en-US" dirty="0"/>
           </a:p>
         </p:txBody>
       </p:sp>
       <p:pic>
         <p:nvPicPr>
-          <p:cNvPr id="4" name="Content Placeholder 3"/>
+          <p:cNvPr id="5" name="Content Placeholder 4"/>
           <p:cNvPicPr>
             <a:picLocks noGrp="1" noChangeAspect="1"/>
           </p:cNvPicPr>
@@ -5033,18 +6044,141 @@
         </p:blipFill>
         <p:spPr>
           <a:xfrm>
-            <a:off x="2895435" y="2121597"/>
-            <a:ext cx="6401129" cy="3759393"/>
+            <a:off x="25337" y="1607454"/>
+            <a:ext cx="7423596" cy="2668212"/>
           </a:xfrm>
           <a:prstGeom prst="rect">
             <a:avLst/>
           </a:prstGeom>
         </p:spPr>
       </p:pic>
+      <p:sp>
+        <p:nvSpPr>
+          <p:cNvPr id="6" name="Rectangle 5"/>
+          <p:cNvSpPr/>
+          <p:nvPr/>
+        </p:nvSpPr>
+        <p:spPr>
+          <a:xfrm>
+            <a:off x="7552267" y="2370667"/>
+            <a:ext cx="4393331" cy="646331"/>
+          </a:xfrm>
+          <a:prstGeom prst="rect">
+            <a:avLst/>
+          </a:prstGeom>
+        </p:spPr>
+        <p:txBody>
+          <a:bodyPr wrap="square">
+            <a:spAutoFit/>
+          </a:bodyPr>
+          <a:lstStyle/>
+          <a:p>
+            <a:r>
+              <a:rPr lang="en-US" dirty="0">
+                <a:solidFill>
+                  <a:srgbClr val="000000"/>
+                </a:solidFill>
+                <a:latin typeface="Helvetica Neue"/>
+              </a:rPr>
+              <a:t>2010 : </a:t>
+            </a:r>
+            <a:r>
+              <a:rPr lang="en-US" dirty="0" err="1">
+                <a:solidFill>
+                  <a:srgbClr val="000000"/>
+                </a:solidFill>
+                <a:latin typeface="Helvetica Neue"/>
+              </a:rPr>
+              <a:t>Wikileaks</a:t>
+            </a:r>
+            <a:r>
+              <a:rPr lang="en-US" dirty="0">
+                <a:solidFill>
+                  <a:srgbClr val="000000"/>
+                </a:solidFill>
+                <a:latin typeface="Helvetica Neue"/>
+              </a:rPr>
+              <a:t>, Israel, Korea, Chinese, Australian</a:t>
+            </a:r>
+          </a:p>
+        </p:txBody>
+      </p:sp>
+      <p:pic>
+        <p:nvPicPr>
+          <p:cNvPr id="7" name="Picture 6"/>
+          <p:cNvPicPr>
+            <a:picLocks noChangeAspect="1"/>
+          </p:cNvPicPr>
+          <p:nvPr/>
+        </p:nvPicPr>
+        <p:blipFill>
+          <a:blip r:embed="rId3"/>
+          <a:stretch>
+            <a:fillRect/>
+          </a:stretch>
+        </p:blipFill>
+        <p:spPr>
+          <a:xfrm>
+            <a:off x="0" y="4214635"/>
+            <a:ext cx="7552267" cy="2463927"/>
+          </a:xfrm>
+          <a:prstGeom prst="rect">
+            <a:avLst/>
+          </a:prstGeom>
+        </p:spPr>
+      </p:pic>
+      <p:sp>
+        <p:nvSpPr>
+          <p:cNvPr id="8" name="Rectangle 7"/>
+          <p:cNvSpPr/>
+          <p:nvPr/>
+        </p:nvSpPr>
+        <p:spPr>
+          <a:xfrm>
+            <a:off x="7417884" y="4586313"/>
+            <a:ext cx="4527714" cy="369332"/>
+          </a:xfrm>
+          <a:prstGeom prst="rect">
+            <a:avLst/>
+          </a:prstGeom>
+        </p:spPr>
+        <p:txBody>
+          <a:bodyPr wrap="none">
+            <a:spAutoFit/>
+          </a:bodyPr>
+          <a:lstStyle/>
+          <a:p>
+            <a:r>
+              <a:rPr lang="en-US" dirty="0">
+                <a:solidFill>
+                  <a:srgbClr val="000000"/>
+                </a:solidFill>
+                <a:latin typeface="Helvetica Neue"/>
+              </a:rPr>
+              <a:t>2011 : Police, Egypt, Japan, US, </a:t>
+            </a:r>
+            <a:r>
+              <a:rPr lang="en-US" dirty="0" err="1">
+                <a:solidFill>
+                  <a:srgbClr val="000000"/>
+                </a:solidFill>
+                <a:latin typeface="Helvetica Neue"/>
+              </a:rPr>
+              <a:t>Wikileaks</a:t>
+            </a:r>
+            <a:endParaRPr lang="en-US" dirty="0">
+              <a:solidFill>
+                <a:srgbClr val="000000"/>
+              </a:solidFill>
+              <a:latin typeface="Helvetica Neue"/>
+            </a:endParaRPr>
+          </a:p>
+        </p:txBody>
+      </p:sp>
     </p:spTree>
     <p:extLst>
       <p:ext uri="{BB962C8B-B14F-4D97-AF65-F5344CB8AC3E}">
-        <p14:creationId xmlns:p14="http://schemas.microsoft.com/office/powerpoint/2010/main" val="3672966333"/>
+        <p14:creationId xmlns:p14="http://schemas.microsoft.com/office/powerpoint/2010/main" val="268607526"/>
       </p:ext>
     </p:extLst>
   </p:cSld>

--- a/Capstone.pptx
+++ b/Capstone.pptx
@@ -269,7 +269,7 @@
           <a:p>
             <a:fld id="{513939AC-CEEE-4A50-83F9-2DA77123257C}" type="datetimeFigureOut">
               <a:rPr lang="en-US" smtClean="0"/>
-              <a:t>4/14/2020</a:t>
+              <a:t>4/17/2020</a:t>
             </a:fld>
             <a:endParaRPr lang="en-US"/>
           </a:p>
@@ -439,7 +439,7 @@
           <a:p>
             <a:fld id="{513939AC-CEEE-4A50-83F9-2DA77123257C}" type="datetimeFigureOut">
               <a:rPr lang="en-US" smtClean="0"/>
-              <a:t>4/14/2020</a:t>
+              <a:t>4/17/2020</a:t>
             </a:fld>
             <a:endParaRPr lang="en-US"/>
           </a:p>
@@ -619,7 +619,7 @@
           <a:p>
             <a:fld id="{513939AC-CEEE-4A50-83F9-2DA77123257C}" type="datetimeFigureOut">
               <a:rPr lang="en-US" smtClean="0"/>
-              <a:t>4/14/2020</a:t>
+              <a:t>4/17/2020</a:t>
             </a:fld>
             <a:endParaRPr lang="en-US"/>
           </a:p>
@@ -789,7 +789,7 @@
           <a:p>
             <a:fld id="{513939AC-CEEE-4A50-83F9-2DA77123257C}" type="datetimeFigureOut">
               <a:rPr lang="en-US" smtClean="0"/>
-              <a:t>4/14/2020</a:t>
+              <a:t>4/17/2020</a:t>
             </a:fld>
             <a:endParaRPr lang="en-US"/>
           </a:p>
@@ -1035,7 +1035,7 @@
           <a:p>
             <a:fld id="{513939AC-CEEE-4A50-83F9-2DA77123257C}" type="datetimeFigureOut">
               <a:rPr lang="en-US" smtClean="0"/>
-              <a:t>4/14/2020</a:t>
+              <a:t>4/17/2020</a:t>
             </a:fld>
             <a:endParaRPr lang="en-US"/>
           </a:p>
@@ -1267,7 +1267,7 @@
           <a:p>
             <a:fld id="{513939AC-CEEE-4A50-83F9-2DA77123257C}" type="datetimeFigureOut">
               <a:rPr lang="en-US" smtClean="0"/>
-              <a:t>4/14/2020</a:t>
+              <a:t>4/17/2020</a:t>
             </a:fld>
             <a:endParaRPr lang="en-US"/>
           </a:p>
@@ -1634,7 +1634,7 @@
           <a:p>
             <a:fld id="{513939AC-CEEE-4A50-83F9-2DA77123257C}" type="datetimeFigureOut">
               <a:rPr lang="en-US" smtClean="0"/>
-              <a:t>4/14/2020</a:t>
+              <a:t>4/17/2020</a:t>
             </a:fld>
             <a:endParaRPr lang="en-US"/>
           </a:p>
@@ -1752,7 +1752,7 @@
           <a:p>
             <a:fld id="{513939AC-CEEE-4A50-83F9-2DA77123257C}" type="datetimeFigureOut">
               <a:rPr lang="en-US" smtClean="0"/>
-              <a:t>4/14/2020</a:t>
+              <a:t>4/17/2020</a:t>
             </a:fld>
             <a:endParaRPr lang="en-US"/>
           </a:p>
@@ -1847,7 +1847,7 @@
           <a:p>
             <a:fld id="{513939AC-CEEE-4A50-83F9-2DA77123257C}" type="datetimeFigureOut">
               <a:rPr lang="en-US" smtClean="0"/>
-              <a:t>4/14/2020</a:t>
+              <a:t>4/17/2020</a:t>
             </a:fld>
             <a:endParaRPr lang="en-US"/>
           </a:p>
@@ -2124,7 +2124,7 @@
           <a:p>
             <a:fld id="{513939AC-CEEE-4A50-83F9-2DA77123257C}" type="datetimeFigureOut">
               <a:rPr lang="en-US" smtClean="0"/>
-              <a:t>4/14/2020</a:t>
+              <a:t>4/17/2020</a:t>
             </a:fld>
             <a:endParaRPr lang="en-US"/>
           </a:p>
@@ -2377,7 +2377,7 @@
           <a:p>
             <a:fld id="{513939AC-CEEE-4A50-83F9-2DA77123257C}" type="datetimeFigureOut">
               <a:rPr lang="en-US" smtClean="0"/>
-              <a:t>4/14/2020</a:t>
+              <a:t>4/17/2020</a:t>
             </a:fld>
             <a:endParaRPr lang="en-US"/>
           </a:p>
@@ -2590,7 +2590,7 @@
           <a:p>
             <a:fld id="{513939AC-CEEE-4A50-83F9-2DA77123257C}" type="datetimeFigureOut">
               <a:rPr lang="en-US" smtClean="0"/>
-              <a:t>4/14/2020</a:t>
+              <a:t>4/17/2020</a:t>
             </a:fld>
             <a:endParaRPr lang="en-US"/>
           </a:p>
@@ -3005,19 +3005,144 @@
             <p:ph type="ctrTitle"/>
           </p:nvPr>
         </p:nvSpPr>
-        <p:spPr/>
+        <p:spPr>
+          <a:xfrm>
+            <a:off x="-908510" y="159454"/>
+            <a:ext cx="9144000" cy="931289"/>
+          </a:xfrm>
+        </p:spPr>
         <p:txBody>
           <a:bodyPr/>
           <a:lstStyle/>
           <a:p>
             <a:r>
               <a:rPr lang="en-US" dirty="0" smtClean="0"/>
-              <a:t>Capstone </a:t>
+              <a:t>Fear Index</a:t>
             </a:r>
             <a:endParaRPr lang="en-US" dirty="0"/>
           </a:p>
         </p:txBody>
       </p:sp>
+      <p:pic>
+        <p:nvPicPr>
+          <p:cNvPr id="3" name="Picture 2"/>
+          <p:cNvPicPr>
+            <a:picLocks noChangeAspect="1"/>
+          </p:cNvPicPr>
+          <p:nvPr/>
+        </p:nvPicPr>
+        <p:blipFill>
+          <a:blip r:embed="rId2"/>
+          <a:stretch>
+            <a:fillRect/>
+          </a:stretch>
+        </p:blipFill>
+        <p:spPr>
+          <a:xfrm>
+            <a:off x="396421" y="2163107"/>
+            <a:ext cx="5493032" cy="3562533"/>
+          </a:xfrm>
+          <a:prstGeom prst="rect">
+            <a:avLst/>
+          </a:prstGeom>
+        </p:spPr>
+      </p:pic>
+      <p:pic>
+        <p:nvPicPr>
+          <p:cNvPr id="4" name="Picture 3"/>
+          <p:cNvPicPr>
+            <a:picLocks noChangeAspect="1"/>
+          </p:cNvPicPr>
+          <p:nvPr/>
+        </p:nvPicPr>
+        <p:blipFill>
+          <a:blip r:embed="rId3"/>
+          <a:stretch>
+            <a:fillRect/>
+          </a:stretch>
+        </p:blipFill>
+        <p:spPr>
+          <a:xfrm>
+            <a:off x="6501080" y="2419053"/>
+            <a:ext cx="4826143" cy="3050639"/>
+          </a:xfrm>
+          <a:prstGeom prst="rect">
+            <a:avLst/>
+          </a:prstGeom>
+        </p:spPr>
+      </p:pic>
+      <p:pic>
+        <p:nvPicPr>
+          <p:cNvPr id="5" name="Content Placeholder 3"/>
+          <p:cNvPicPr>
+            <a:picLocks noChangeAspect="1"/>
+          </p:cNvPicPr>
+          <p:nvPr/>
+        </p:nvPicPr>
+        <p:blipFill>
+          <a:blip r:embed="rId4"/>
+          <a:stretch>
+            <a:fillRect/>
+          </a:stretch>
+        </p:blipFill>
+        <p:spPr>
+          <a:xfrm rot="21075006">
+            <a:off x="6193094" y="2362748"/>
+            <a:ext cx="5638869" cy="3126638"/>
+          </a:xfrm>
+          <a:prstGeom prst="rect">
+            <a:avLst/>
+          </a:prstGeom>
+        </p:spPr>
+      </p:pic>
+      <p:pic>
+        <p:nvPicPr>
+          <p:cNvPr id="8" name="Picture 7"/>
+          <p:cNvPicPr>
+            <a:picLocks noChangeAspect="1"/>
+          </p:cNvPicPr>
+          <p:nvPr/>
+        </p:nvPicPr>
+        <p:blipFill>
+          <a:blip r:embed="rId5"/>
+          <a:stretch>
+            <a:fillRect/>
+          </a:stretch>
+        </p:blipFill>
+        <p:spPr>
+          <a:xfrm rot="783139">
+            <a:off x="6519624" y="2090243"/>
+            <a:ext cx="4819811" cy="3708256"/>
+          </a:xfrm>
+          <a:prstGeom prst="rect">
+            <a:avLst/>
+          </a:prstGeom>
+        </p:spPr>
+      </p:pic>
+      <p:pic>
+        <p:nvPicPr>
+          <p:cNvPr id="9" name="Picture 8"/>
+          <p:cNvPicPr>
+            <a:picLocks noChangeAspect="1"/>
+          </p:cNvPicPr>
+          <p:nvPr/>
+        </p:nvPicPr>
+        <p:blipFill>
+          <a:blip r:embed="rId6"/>
+          <a:stretch>
+            <a:fillRect/>
+          </a:stretch>
+        </p:blipFill>
+        <p:spPr>
+          <a:xfrm rot="20922696">
+            <a:off x="6245313" y="2163107"/>
+            <a:ext cx="5730779" cy="2783521"/>
+          </a:xfrm>
+          <a:prstGeom prst="rect">
+            <a:avLst/>
+          </a:prstGeom>
+        </p:spPr>
+      </p:pic>
     </p:spTree>
     <p:extLst>
       <p:ext uri="{BB962C8B-B14F-4D97-AF65-F5344CB8AC3E}">
